--- a/git_intro.pptx
+++ b/git_intro.pptx
@@ -8747,7 +8747,24 @@
                   <a:schemeClr val="tx2"/>
                 </a:solidFill>
               </a:rPr>
-              <a:t> pull </a:t>
+              <a:t> </a:t>
+            </a:r>
+            <a:r>
+              <a:rPr kumimoji="1" lang="en-US" sz="2000" b="1" dirty="0" smtClean="0">
+                <a:solidFill>
+                  <a:schemeClr val="tx2"/>
+                </a:solidFill>
+              </a:rPr>
+              <a:t>clone </a:t>
+            </a:r>
+            <a:r>
+              <a:rPr kumimoji="1" lang="en-US" sz="2000" b="1" dirty="0" smtClean="0">
+                <a:solidFill>
+                  <a:schemeClr val="tx2"/>
+                </a:solidFill>
+                <a:hlinkClick r:id="rId2"/>
+              </a:rPr>
+              <a:t>https</a:t>
             </a:r>
             <a:r>
               <a:rPr kumimoji="1" lang="en-US" sz="2000" b="1" dirty="0">
@@ -8756,7 +8773,7 @@
                 </a:solidFill>
                 <a:hlinkClick r:id="rId2"/>
               </a:rPr>
-              <a:t>https://</a:t>
+              <a:t>://</a:t>
             </a:r>
             <a:r>
               <a:rPr kumimoji="1" lang="en-US" sz="2000" b="1" dirty="0" smtClean="0">

--- a/git_intro.pptx
+++ b/git_intro.pptx
@@ -9210,13 +9210,18 @@
               </a:spcAft>
             </a:pPr>
             <a:r>
-              <a:rPr kumimoji="1" lang="en-US" sz="1600" b="1" dirty="0" smtClean="0">
+              <a:rPr kumimoji="1" lang="en-US" sz="1600" b="1" smtClean="0">
                 <a:solidFill>
                   <a:schemeClr val="tx2"/>
                 </a:solidFill>
               </a:rPr>
-              <a:t>ls</a:t>
-            </a:r>
+              <a:t>dir</a:t>
+            </a:r>
+            <a:endParaRPr kumimoji="1" lang="en-US" sz="1600" b="1" dirty="0" smtClean="0">
+              <a:solidFill>
+                <a:schemeClr val="tx2"/>
+              </a:solidFill>
+            </a:endParaRPr>
           </a:p>
           <a:p>
             <a:pPr>

--- a/git_intro.pptx
+++ b/git_intro.pptx
@@ -8852,29 +8852,6 @@
       </p:grpSpPr>
       <p:sp>
         <p:nvSpPr>
-          <p:cNvPr id="33794" name="Rectangle 2"/>
-          <p:cNvSpPr>
-            <a:spLocks noGrp="1" noChangeArrowheads="1"/>
-          </p:cNvSpPr>
-          <p:nvPr>
-            <p:ph type="title"/>
-          </p:nvPr>
-        </p:nvSpPr>
-        <p:spPr/>
-        <p:txBody>
-          <a:bodyPr/>
-          <a:lstStyle/>
-          <a:p>
-            <a:r>
-              <a:rPr lang="en-US" dirty="0" smtClean="0"/>
-              <a:t>Get started:</a:t>
-            </a:r>
-            <a:endParaRPr lang="en-US" dirty="0"/>
-          </a:p>
-        </p:txBody>
-      </p:sp>
-      <p:sp>
-        <p:nvSpPr>
           <p:cNvPr id="33797" name="Rectangle 5"/>
           <p:cNvSpPr>
             <a:spLocks noGrp="1" noChangeArrowheads="1"/>
@@ -8885,8 +8862,8 @@
         </p:nvSpPr>
         <p:spPr>
           <a:xfrm>
-            <a:off x="1752600" y="2514600"/>
-            <a:ext cx="6635824" cy="3722712"/>
+            <a:off x="1752600" y="764704"/>
+            <a:ext cx="6635824" cy="5472608"/>
           </a:xfrm>
         </p:spPr>
         <p:txBody>
@@ -8907,7 +8884,7 @@
             <a:r>
               <a:rPr kumimoji="1" lang="en-US" sz="2200" b="1" dirty="0" smtClean="0">
                 <a:solidFill>
-                  <a:schemeClr val="tx2"/>
+                  <a:schemeClr val="bg1"/>
                 </a:solidFill>
               </a:rPr>
               <a:t>To se the status of the </a:t>
@@ -8915,7 +8892,7 @@
             <a:r>
               <a:rPr kumimoji="1" lang="en-US" sz="2200" b="1" dirty="0" err="1" smtClean="0">
                 <a:solidFill>
-                  <a:schemeClr val="tx2"/>
+                  <a:schemeClr val="bg1"/>
                 </a:solidFill>
               </a:rPr>
               <a:t>git</a:t>
@@ -8923,7 +8900,7 @@
             <a:r>
               <a:rPr kumimoji="1" lang="en-US" sz="2200" b="1" dirty="0" smtClean="0">
                 <a:solidFill>
-                  <a:schemeClr val="tx2"/>
+                  <a:schemeClr val="bg1"/>
                 </a:solidFill>
               </a:rPr>
               <a:t> repository:</a:t>
@@ -8944,7 +8921,7 @@
             <a:r>
               <a:rPr kumimoji="1" lang="en-US" sz="1800" b="1" dirty="0" err="1" smtClean="0">
                 <a:solidFill>
-                  <a:schemeClr val="tx2"/>
+                  <a:schemeClr val="bg1"/>
                 </a:solidFill>
               </a:rPr>
               <a:t>git</a:t>
@@ -8952,7 +8929,7 @@
             <a:r>
               <a:rPr kumimoji="1" lang="en-US" sz="1800" b="1" dirty="0" smtClean="0">
                 <a:solidFill>
-                  <a:schemeClr val="tx2"/>
+                  <a:schemeClr val="bg1"/>
                 </a:solidFill>
               </a:rPr>
               <a:t> status</a:t>
@@ -8973,7 +8950,7 @@
             <a:r>
               <a:rPr kumimoji="1" lang="en-US" sz="2200" b="1" dirty="0" smtClean="0">
                 <a:solidFill>
-                  <a:schemeClr val="tx2"/>
+                  <a:schemeClr val="bg1"/>
                 </a:solidFill>
               </a:rPr>
               <a:t>This tells you which files are tracked. To track a new file:</a:t>
@@ -8994,7 +8971,7 @@
             <a:r>
               <a:rPr kumimoji="1" lang="en-US" sz="1800" b="1" dirty="0" err="1" smtClean="0">
                 <a:solidFill>
-                  <a:schemeClr val="tx2"/>
+                  <a:schemeClr val="bg1"/>
                 </a:solidFill>
               </a:rPr>
               <a:t>git</a:t>
@@ -9002,7 +8979,7 @@
             <a:r>
               <a:rPr kumimoji="1" lang="en-US" sz="1800" b="1" dirty="0" smtClean="0">
                 <a:solidFill>
-                  <a:schemeClr val="tx2"/>
+                  <a:schemeClr val="bg1"/>
                 </a:solidFill>
               </a:rPr>
               <a:t> add &lt;filename&gt;</a:t>
@@ -9023,7 +9000,7 @@
             <a:r>
               <a:rPr kumimoji="1" lang="en-US" sz="2200" b="1" dirty="0" smtClean="0">
                 <a:solidFill>
-                  <a:schemeClr val="tx2"/>
+                  <a:schemeClr val="bg1"/>
                 </a:solidFill>
               </a:rPr>
               <a:t>This will track file changes. To commit changes:</a:t>
@@ -9044,7 +9021,7 @@
             <a:r>
               <a:rPr kumimoji="1" lang="en-US" sz="1800" b="1" dirty="0" err="1" smtClean="0">
                 <a:solidFill>
-                  <a:schemeClr val="tx2"/>
+                  <a:schemeClr val="bg1"/>
                 </a:solidFill>
               </a:rPr>
               <a:t>git</a:t>
@@ -9052,7 +9029,7 @@
             <a:r>
               <a:rPr kumimoji="1" lang="en-US" sz="1800" b="1" dirty="0" smtClean="0">
                 <a:solidFill>
-                  <a:schemeClr val="tx2"/>
+                  <a:schemeClr val="bg1"/>
                 </a:solidFill>
               </a:rPr>
               <a:t> commit –m “&lt;your message&gt;”</a:t>
@@ -9073,7 +9050,7 @@
             <a:r>
               <a:rPr kumimoji="1" lang="en-US" sz="1800" b="1" dirty="0" err="1">
                 <a:solidFill>
-                  <a:schemeClr val="tx2"/>
+                  <a:schemeClr val="bg1"/>
                 </a:solidFill>
               </a:rPr>
               <a:t>g</a:t>
@@ -9081,7 +9058,7 @@
             <a:r>
               <a:rPr kumimoji="1" lang="en-US" sz="1800" b="1" dirty="0" err="1" smtClean="0">
                 <a:solidFill>
-                  <a:schemeClr val="tx2"/>
+                  <a:schemeClr val="bg1"/>
                 </a:solidFill>
               </a:rPr>
               <a:t>it</a:t>
@@ -9089,11 +9066,82 @@
             <a:r>
               <a:rPr kumimoji="1" lang="en-US" sz="1800" b="1" dirty="0" smtClean="0">
                 <a:solidFill>
-                  <a:schemeClr val="tx2"/>
+                  <a:schemeClr val="bg1"/>
                 </a:solidFill>
               </a:rPr>
-              <a:t> push</a:t>
-            </a:r>
+              <a:t> </a:t>
+            </a:r>
+            <a:r>
+              <a:rPr kumimoji="1" lang="en-US" sz="1800" b="1" dirty="0" smtClean="0">
+                <a:solidFill>
+                  <a:schemeClr val="bg1"/>
+                </a:solidFill>
+              </a:rPr>
+              <a:t>push</a:t>
+            </a:r>
+          </a:p>
+          <a:p>
+            <a:pPr>
+              <a:lnSpc>
+                <a:spcPts val="3000"/>
+              </a:lnSpc>
+              <a:spcBef>
+                <a:spcPct val="0"/>
+              </a:spcBef>
+              <a:spcAft>
+                <a:spcPts val="1000"/>
+              </a:spcAft>
+            </a:pPr>
+            <a:r>
+              <a:rPr kumimoji="1" lang="en-US" sz="2200" b="1" dirty="0" smtClean="0">
+                <a:solidFill>
+                  <a:schemeClr val="bg1"/>
+                </a:solidFill>
+              </a:rPr>
+              <a:t>To get the latest version of the project, type:</a:t>
+            </a:r>
+          </a:p>
+          <a:p>
+            <a:pPr lvl="1">
+              <a:lnSpc>
+                <a:spcPts val="3000"/>
+              </a:lnSpc>
+              <a:spcBef>
+                <a:spcPct val="0"/>
+              </a:spcBef>
+              <a:spcAft>
+                <a:spcPts val="1000"/>
+              </a:spcAft>
+            </a:pPr>
+            <a:r>
+              <a:rPr kumimoji="1" lang="en-US" sz="1800" b="1" dirty="0" err="1">
+                <a:solidFill>
+                  <a:schemeClr val="bg1"/>
+                </a:solidFill>
+              </a:rPr>
+              <a:t>g</a:t>
+            </a:r>
+            <a:r>
+              <a:rPr kumimoji="1" lang="en-US" sz="1800" b="1" dirty="0" err="1" smtClean="0">
+                <a:solidFill>
+                  <a:schemeClr val="bg1"/>
+                </a:solidFill>
+              </a:rPr>
+              <a:t>it</a:t>
+            </a:r>
+            <a:r>
+              <a:rPr kumimoji="1" lang="en-US" sz="1800" b="1" smtClean="0">
+                <a:solidFill>
+                  <a:schemeClr val="bg1"/>
+                </a:solidFill>
+              </a:rPr>
+              <a:t> pull</a:t>
+            </a:r>
+            <a:endParaRPr kumimoji="1" lang="en-US" sz="1800" b="1" dirty="0" smtClean="0">
+              <a:solidFill>
+                <a:schemeClr val="bg1"/>
+              </a:solidFill>
+            </a:endParaRPr>
           </a:p>
         </p:txBody>
       </p:sp>
@@ -9210,7 +9258,7 @@
               </a:spcAft>
             </a:pPr>
             <a:r>
-              <a:rPr kumimoji="1" lang="en-US" sz="1600" b="1" smtClean="0">
+              <a:rPr kumimoji="1" lang="en-US" sz="1600" b="1" dirty="0" err="1" smtClean="0">
                 <a:solidFill>
                   <a:schemeClr val="tx2"/>
                 </a:solidFill>

--- a/git_intro.pptx
+++ b/git_intro.pptx
@@ -6,10 +6,10 @@
     <p:sldMasterId id="2147483652" r:id="rId3"/>
   </p:sldMasterIdLst>
   <p:notesMasterIdLst>
-    <p:notesMasterId r:id="rId10"/>
+    <p:notesMasterId r:id="rId11"/>
   </p:notesMasterIdLst>
   <p:handoutMasterIdLst>
-    <p:handoutMasterId r:id="rId11"/>
+    <p:handoutMasterId r:id="rId12"/>
   </p:handoutMasterIdLst>
   <p:sldIdLst>
     <p:sldId id="256" r:id="rId4"/>
@@ -17,7 +17,8 @@
     <p:sldId id="264" r:id="rId6"/>
     <p:sldId id="265" r:id="rId7"/>
     <p:sldId id="266" r:id="rId8"/>
-    <p:sldId id="267" r:id="rId9"/>
+    <p:sldId id="268" r:id="rId9"/>
+    <p:sldId id="267" r:id="rId10"/>
   </p:sldIdLst>
   <p:sldSz cx="9144000" cy="6858000" type="screen4x3"/>
   <p:notesSz cx="6934200" cy="9220200"/>
@@ -7937,7 +7938,11 @@
               </a:lnSpc>
             </a:pPr>
             <a:r>
-              <a:rPr lang="en-US" sz="3200" dirty="0"/>
+              <a:rPr lang="en-US" sz="3200" dirty="0">
+                <a:solidFill>
+                  <a:schemeClr val="bg1"/>
+                </a:solidFill>
+              </a:rPr>
               <a:t>Auto-BAHN technologies</a:t>
             </a:r>
           </a:p>
@@ -7963,7 +7968,11 @@
                 <a:spcPct val="90000"/>
               </a:lnSpc>
             </a:pPr>
-            <a:endParaRPr lang="en-US" b="1" dirty="0"/>
+            <a:endParaRPr lang="en-US" b="1" dirty="0">
+              <a:solidFill>
+                <a:schemeClr val="bg1"/>
+              </a:solidFill>
+            </a:endParaRPr>
           </a:p>
           <a:p>
             <a:pPr>
@@ -7972,71 +7981,29 @@
               </a:lnSpc>
             </a:pPr>
             <a:r>
-              <a:rPr lang="en-US" dirty="0" err="1" smtClean="0"/>
+              <a:rPr lang="en-US" dirty="0" err="1" smtClean="0">
+                <a:solidFill>
+                  <a:schemeClr val="bg1"/>
+                </a:solidFill>
+              </a:rPr>
               <a:t>Git</a:t>
             </a:r>
             <a:r>
-              <a:rPr lang="en-US" dirty="0" smtClean="0"/>
+              <a:rPr lang="en-US" dirty="0" smtClean="0">
+                <a:solidFill>
+                  <a:schemeClr val="bg1"/>
+                </a:solidFill>
+              </a:rPr>
               <a:t> guide</a:t>
             </a:r>
-            <a:endParaRPr lang="en-US" b="1" dirty="0"/>
-          </a:p>
-        </p:txBody>
-      </p:sp>
-      <p:pic>
-        <p:nvPicPr>
-          <p:cNvPr id="27652" name="Picture 4" descr="Logo placeholder"/>
-          <p:cNvPicPr>
-            <a:picLocks noChangeAspect="1" noChangeArrowheads="1"/>
-          </p:cNvPicPr>
-          <p:nvPr/>
-        </p:nvPicPr>
-        <p:blipFill>
-          <a:blip r:embed="rId3" cstate="print">
-            <a:extLst>
-              <a:ext uri="{28A0092B-C50C-407E-A947-70E740481C1C}">
-                <a14:useLocalDpi xmlns:a14="http://schemas.microsoft.com/office/drawing/2010/main" val="0"/>
-              </a:ext>
-            </a:extLst>
-          </a:blip>
-          <a:srcRect/>
-          <a:stretch>
-            <a:fillRect/>
-          </a:stretch>
-        </p:blipFill>
-        <p:spPr bwMode="auto">
-          <a:xfrm>
-            <a:off x="2895600" y="5940425"/>
-            <a:ext cx="855663" cy="428625"/>
-          </a:xfrm>
-          <a:prstGeom prst="rect">
-            <a:avLst/>
-          </a:prstGeom>
-          <a:noFill/>
-          <a:ln>
-            <a:noFill/>
-          </a:ln>
-          <a:extLst>
-            <a:ext uri="{909E8E84-426E-40DD-AFC4-6F175D3DCCD1}">
-              <a14:hiddenFill xmlns:a14="http://schemas.microsoft.com/office/drawing/2010/main">
-                <a:solidFill>
-                  <a:srgbClr val="FFFFFF"/>
-                </a:solidFill>
-              </a14:hiddenFill>
-            </a:ext>
-            <a:ext uri="{91240B29-F687-4F45-9708-019B960494DF}">
-              <a14:hiddenLine xmlns:a14="http://schemas.microsoft.com/office/drawing/2010/main" w="9525">
-                <a:solidFill>
-                  <a:srgbClr val="000000"/>
-                </a:solidFill>
-                <a:miter lim="800000"/>
-                <a:headEnd/>
-                <a:tailEnd/>
-              </a14:hiddenLine>
-            </a:ext>
-          </a:extLst>
-        </p:spPr>
-      </p:pic>
+            <a:endParaRPr lang="en-US" b="1" dirty="0">
+              <a:solidFill>
+                <a:schemeClr val="bg1"/>
+              </a:solidFill>
+            </a:endParaRPr>
+          </a:p>
+        </p:txBody>
+      </p:sp>
     </p:spTree>
   </p:cSld>
   <p:clrMapOvr>
@@ -8085,18 +8052,34 @@
           <a:lstStyle/>
           <a:p>
             <a:r>
-              <a:rPr lang="en-US" dirty="0" smtClean="0"/>
+              <a:rPr lang="en-US" dirty="0" smtClean="0">
+                <a:solidFill>
+                  <a:schemeClr val="bg1"/>
+                </a:solidFill>
+              </a:rPr>
               <a:t>Get started with </a:t>
             </a:r>
             <a:r>
-              <a:rPr lang="en-US" dirty="0" err="1" smtClean="0"/>
+              <a:rPr lang="en-US" dirty="0" err="1" smtClean="0">
+                <a:solidFill>
+                  <a:schemeClr val="bg1"/>
+                </a:solidFill>
+              </a:rPr>
               <a:t>github</a:t>
             </a:r>
             <a:r>
-              <a:rPr lang="en-US" dirty="0" smtClean="0"/>
+              <a:rPr lang="en-US" dirty="0" smtClean="0">
+                <a:solidFill>
+                  <a:schemeClr val="bg1"/>
+                </a:solidFill>
+              </a:rPr>
               <a:t>:</a:t>
             </a:r>
-            <a:endParaRPr lang="en-US" dirty="0"/>
+            <a:endParaRPr lang="en-US" dirty="0">
+              <a:solidFill>
+                <a:schemeClr val="bg1"/>
+              </a:solidFill>
+            </a:endParaRPr>
           </a:p>
         </p:txBody>
       </p:sp>
@@ -8134,7 +8117,7 @@
             <a:r>
               <a:rPr kumimoji="1" lang="en-US" sz="2200" b="1" dirty="0" smtClean="0">
                 <a:solidFill>
-                  <a:schemeClr val="tx2"/>
+                  <a:schemeClr val="bg1"/>
                 </a:solidFill>
               </a:rPr>
               <a:t>Download </a:t>
@@ -8142,14 +8125,14 @@
             <a:r>
               <a:rPr kumimoji="1" lang="en-US" sz="2200" b="1" dirty="0" err="1" smtClean="0">
                 <a:solidFill>
-                  <a:schemeClr val="tx2"/>
+                  <a:schemeClr val="bg1"/>
                 </a:solidFill>
               </a:rPr>
               <a:t>git</a:t>
             </a:r>
             <a:endParaRPr kumimoji="1" lang="en-US" sz="2200" b="1" dirty="0">
               <a:solidFill>
-                <a:schemeClr val="tx2"/>
+                <a:schemeClr val="bg1"/>
               </a:solidFill>
             </a:endParaRPr>
           </a:p>
@@ -8168,7 +8151,7 @@
             <a:r>
               <a:rPr kumimoji="1" lang="en-US" sz="2200" b="1" dirty="0" smtClean="0">
                 <a:solidFill>
-                  <a:schemeClr val="tx2"/>
+                  <a:schemeClr val="bg1"/>
                 </a:solidFill>
                 <a:hlinkClick r:id="rId2"/>
               </a:rPr>
@@ -8177,7 +8160,7 @@
             <a:r>
               <a:rPr kumimoji="1" lang="en-US" sz="2200" b="1" dirty="0">
                 <a:solidFill>
-                  <a:schemeClr val="tx2"/>
+                  <a:schemeClr val="bg1"/>
                 </a:solidFill>
                 <a:hlinkClick r:id="rId2"/>
               </a:rPr>
@@ -8186,7 +8169,7 @@
             <a:r>
               <a:rPr kumimoji="1" lang="en-US" sz="2200" b="1" dirty="0" smtClean="0">
                 <a:solidFill>
-                  <a:schemeClr val="tx2"/>
+                  <a:schemeClr val="bg1"/>
                 </a:solidFill>
                 <a:hlinkClick r:id="rId2"/>
               </a:rPr>
@@ -8208,14 +8191,14 @@
             <a:r>
               <a:rPr kumimoji="1" lang="en-US" sz="2200" b="1" dirty="0" smtClean="0">
                 <a:solidFill>
-                  <a:schemeClr val="tx2"/>
+                  <a:schemeClr val="bg1"/>
                 </a:solidFill>
               </a:rPr>
               <a:t>Go to:</a:t>
             </a:r>
             <a:endParaRPr kumimoji="1" lang="en-US" sz="2200" b="1" dirty="0">
               <a:solidFill>
-                <a:schemeClr val="tx2"/>
+                <a:schemeClr val="bg1"/>
               </a:solidFill>
               <a:hlinkClick r:id="rId2"/>
             </a:endParaRPr>
@@ -8235,7 +8218,7 @@
             <a:r>
               <a:rPr kumimoji="1" lang="en-US" sz="2200" b="1" dirty="0" smtClean="0">
                 <a:solidFill>
-                  <a:schemeClr val="tx2"/>
+                  <a:schemeClr val="bg1"/>
                 </a:solidFill>
                 <a:hlinkClick r:id="rId2"/>
               </a:rPr>
@@ -8244,7 +8227,7 @@
             <a:r>
               <a:rPr kumimoji="1" lang="en-US" sz="2200" b="1" dirty="0">
                 <a:solidFill>
-                  <a:schemeClr val="tx2"/>
+                  <a:schemeClr val="bg1"/>
                 </a:solidFill>
                 <a:hlinkClick r:id="rId2"/>
               </a:rPr>
@@ -8253,7 +8236,7 @@
             <a:r>
               <a:rPr kumimoji="1" lang="en-US" sz="2200" b="1" dirty="0" smtClean="0">
                 <a:solidFill>
-                  <a:schemeClr val="tx2"/>
+                  <a:schemeClr val="bg1"/>
                 </a:solidFill>
                 <a:hlinkClick r:id="rId2"/>
               </a:rPr>
@@ -8261,7 +8244,7 @@
             </a:r>
             <a:endParaRPr kumimoji="1" lang="en-US" sz="2200" b="1" dirty="0" smtClean="0">
               <a:solidFill>
-                <a:schemeClr val="tx2"/>
+                <a:schemeClr val="bg1"/>
               </a:solidFill>
             </a:endParaRPr>
           </a:p>
@@ -8280,7 +8263,7 @@
             <a:r>
               <a:rPr kumimoji="1" lang="en-US" sz="2200" b="1" dirty="0" smtClean="0">
                 <a:solidFill>
-                  <a:schemeClr val="tx2"/>
+                  <a:schemeClr val="bg1"/>
                 </a:solidFill>
               </a:rPr>
               <a:t>Create an account</a:t>
@@ -8301,14 +8284,14 @@
             <a:r>
               <a:rPr kumimoji="1" lang="en-US" sz="2200" b="1" dirty="0" smtClean="0">
                 <a:solidFill>
-                  <a:schemeClr val="tx2"/>
+                  <a:schemeClr val="bg1"/>
                 </a:solidFill>
               </a:rPr>
               <a:t>Follow user Barstad</a:t>
             </a:r>
             <a:endParaRPr kumimoji="1" lang="en-US" sz="2200" b="1" dirty="0">
               <a:solidFill>
-                <a:schemeClr val="tx2"/>
+                <a:schemeClr val="bg1"/>
               </a:solidFill>
             </a:endParaRPr>
           </a:p>
@@ -8362,10 +8345,18 @@
           <a:lstStyle/>
           <a:p>
             <a:r>
-              <a:rPr lang="en-US" dirty="0" smtClean="0"/>
+              <a:rPr lang="en-US" dirty="0" smtClean="0">
+                <a:solidFill>
+                  <a:schemeClr val="bg1"/>
+                </a:solidFill>
+              </a:rPr>
               <a:t>Get started:</a:t>
             </a:r>
-            <a:endParaRPr lang="en-US" dirty="0"/>
+            <a:endParaRPr lang="en-US" dirty="0">
+              <a:solidFill>
+                <a:schemeClr val="bg1"/>
+              </a:solidFill>
+            </a:endParaRPr>
           </a:p>
         </p:txBody>
       </p:sp>
@@ -8403,14 +8394,14 @@
             <a:r>
               <a:rPr kumimoji="1" lang="en-US" sz="2200" b="1" dirty="0" smtClean="0">
                 <a:solidFill>
-                  <a:schemeClr val="tx2"/>
+                  <a:schemeClr val="bg1"/>
                 </a:solidFill>
               </a:rPr>
               <a:t>Open command line:</a:t>
             </a:r>
             <a:endParaRPr kumimoji="1" lang="en-US" sz="2200" b="1" dirty="0">
               <a:solidFill>
-                <a:schemeClr val="tx2"/>
+                <a:schemeClr val="bg1"/>
               </a:solidFill>
             </a:endParaRPr>
           </a:p>
@@ -8429,7 +8420,7 @@
             <a:r>
               <a:rPr kumimoji="1" lang="en-US" sz="2200" b="1" dirty="0" smtClean="0">
                 <a:solidFill>
-                  <a:schemeClr val="tx2"/>
+                  <a:schemeClr val="bg1"/>
                 </a:solidFill>
               </a:rPr>
               <a:t>Choose a directory by typing:</a:t>
@@ -8450,14 +8441,14 @@
             <a:r>
               <a:rPr kumimoji="1" lang="en-US" sz="1800" b="1" dirty="0" smtClean="0">
                 <a:solidFill>
-                  <a:schemeClr val="tx2"/>
+                  <a:schemeClr val="bg1"/>
                 </a:solidFill>
               </a:rPr>
               <a:t>cd &lt;path to directory&gt;</a:t>
             </a:r>
             <a:endParaRPr kumimoji="1" lang="en-US" sz="1800" b="1" dirty="0">
               <a:solidFill>
-                <a:schemeClr val="tx2"/>
+                <a:schemeClr val="bg1"/>
               </a:solidFill>
             </a:endParaRPr>
           </a:p>
@@ -8476,7 +8467,7 @@
             <a:r>
               <a:rPr kumimoji="1" lang="en-US" sz="2200" b="1" dirty="0" smtClean="0">
                 <a:solidFill>
-                  <a:schemeClr val="tx2"/>
+                  <a:schemeClr val="bg1"/>
                 </a:solidFill>
               </a:rPr>
               <a:t>Or to make a new folder:</a:t>
@@ -8497,7 +8488,7 @@
             <a:r>
               <a:rPr kumimoji="1" lang="en-US" sz="1800" b="1" dirty="0" smtClean="0">
                 <a:solidFill>
-                  <a:schemeClr val="tx2"/>
+                  <a:schemeClr val="bg1"/>
                 </a:solidFill>
               </a:rPr>
               <a:t>cd &lt;path to outer folder&gt;</a:t>
@@ -8518,7 +8509,7 @@
             <a:r>
               <a:rPr kumimoji="1" lang="en-US" sz="1800" b="1" dirty="0" err="1" smtClean="0">
                 <a:solidFill>
-                  <a:schemeClr val="tx2"/>
+                  <a:schemeClr val="bg1"/>
                 </a:solidFill>
               </a:rPr>
               <a:t>mkdir</a:t>
@@ -8526,7 +8517,7 @@
             <a:r>
               <a:rPr kumimoji="1" lang="en-US" sz="1800" b="1" dirty="0" smtClean="0">
                 <a:solidFill>
-                  <a:schemeClr val="tx2"/>
+                  <a:schemeClr val="bg1"/>
                 </a:solidFill>
               </a:rPr>
               <a:t> &lt;</a:t>
@@ -8534,7 +8525,7 @@
             <a:r>
               <a:rPr kumimoji="1" lang="en-US" sz="1800" b="1" dirty="0" err="1" smtClean="0">
                 <a:solidFill>
-                  <a:schemeClr val="tx2"/>
+                  <a:schemeClr val="bg1"/>
                 </a:solidFill>
               </a:rPr>
               <a:t>foldername</a:t>
@@ -8542,7 +8533,7 @@
             <a:r>
               <a:rPr kumimoji="1" lang="en-US" sz="1800" b="1" dirty="0" smtClean="0">
                 <a:solidFill>
-                  <a:schemeClr val="tx2"/>
+                  <a:schemeClr val="bg1"/>
                 </a:solidFill>
               </a:rPr>
               <a:t>&gt;</a:t>
@@ -8563,7 +8554,7 @@
             <a:r>
               <a:rPr kumimoji="1" lang="en-US" sz="1800" b="1" dirty="0" smtClean="0">
                 <a:solidFill>
-                  <a:schemeClr val="tx2"/>
+                  <a:schemeClr val="bg1"/>
                 </a:solidFill>
               </a:rPr>
               <a:t>cd &lt;</a:t>
@@ -8571,7 +8562,7 @@
             <a:r>
               <a:rPr kumimoji="1" lang="en-US" sz="1800" b="1" dirty="0" err="1" smtClean="0">
                 <a:solidFill>
-                  <a:schemeClr val="tx2"/>
+                  <a:schemeClr val="bg1"/>
                 </a:solidFill>
               </a:rPr>
               <a:t>foldername</a:t>
@@ -8579,7 +8570,7 @@
             <a:r>
               <a:rPr kumimoji="1" lang="en-US" sz="1800" b="1" dirty="0" smtClean="0">
                 <a:solidFill>
-                  <a:schemeClr val="tx2"/>
+                  <a:schemeClr val="bg1"/>
                 </a:solidFill>
               </a:rPr>
               <a:t>&gt;</a:t>
@@ -8599,7 +8590,7 @@
             </a:pPr>
             <a:endParaRPr kumimoji="1" lang="en-US" sz="1800" b="1" dirty="0">
               <a:solidFill>
-                <a:schemeClr val="tx2"/>
+                <a:schemeClr val="bg1"/>
               </a:solidFill>
             </a:endParaRPr>
           </a:p>
@@ -8658,10 +8649,18 @@
           <a:lstStyle/>
           <a:p>
             <a:r>
-              <a:rPr lang="en-US" dirty="0" smtClean="0"/>
-              <a:t>Get started:</a:t>
-            </a:r>
-            <a:endParaRPr lang="en-US" dirty="0"/>
+              <a:rPr lang="en-US" dirty="0" smtClean="0">
+                <a:solidFill>
+                  <a:schemeClr val="bg1"/>
+                </a:solidFill>
+              </a:rPr>
+              <a:t>Using GIT</a:t>
+            </a:r>
+            <a:endParaRPr lang="en-US" dirty="0">
+              <a:solidFill>
+                <a:schemeClr val="bg1"/>
+              </a:solidFill>
+            </a:endParaRPr>
           </a:p>
         </p:txBody>
       </p:sp>
@@ -8699,7 +8698,7 @@
             <a:r>
               <a:rPr kumimoji="1" lang="en-US" sz="2200" b="1" dirty="0" smtClean="0">
                 <a:solidFill>
-                  <a:schemeClr val="tx2"/>
+                  <a:schemeClr val="bg1"/>
                 </a:solidFill>
               </a:rPr>
               <a:t>When current directory is the one you want</a:t>
@@ -8707,7 +8706,7 @@
             <a:r>
               <a:rPr kumimoji="1" lang="en-US" sz="2200" b="1" dirty="0">
                 <a:solidFill>
-                  <a:schemeClr val="tx2"/>
+                  <a:schemeClr val="bg1"/>
                 </a:solidFill>
               </a:rPr>
               <a:t> </a:t>
@@ -8715,7 +8714,7 @@
             <a:r>
               <a:rPr kumimoji="1" lang="en-US" sz="2200" b="1" dirty="0" smtClean="0">
                 <a:solidFill>
-                  <a:schemeClr val="tx2"/>
+                  <a:schemeClr val="bg1"/>
                 </a:solidFill>
               </a:rPr>
               <a:t>type the command:</a:t>
@@ -8736,7 +8735,7 @@
             <a:r>
               <a:rPr kumimoji="1" lang="en-US" sz="2000" b="1" dirty="0" err="1">
                 <a:solidFill>
-                  <a:schemeClr val="tx2"/>
+                  <a:schemeClr val="bg1"/>
                 </a:solidFill>
               </a:rPr>
               <a:t>git</a:t>
@@ -8744,7 +8743,7 @@
             <a:r>
               <a:rPr kumimoji="1" lang="en-US" sz="2000" b="1" dirty="0">
                 <a:solidFill>
-                  <a:schemeClr val="tx2"/>
+                  <a:schemeClr val="bg1"/>
                 </a:solidFill>
               </a:rPr>
               <a:t> </a:t>
@@ -8752,7 +8751,7 @@
             <a:r>
               <a:rPr kumimoji="1" lang="en-US" sz="2000" b="1" dirty="0" smtClean="0">
                 <a:solidFill>
-                  <a:schemeClr val="tx2"/>
+                  <a:schemeClr val="bg1"/>
                 </a:solidFill>
               </a:rPr>
               <a:t>clone </a:t>
@@ -8760,7 +8759,7 @@
             <a:r>
               <a:rPr kumimoji="1" lang="en-US" sz="2000" b="1" dirty="0" smtClean="0">
                 <a:solidFill>
-                  <a:schemeClr val="tx2"/>
+                  <a:schemeClr val="bg1"/>
                 </a:solidFill>
                 <a:hlinkClick r:id="rId2"/>
               </a:rPr>
@@ -8769,7 +8768,7 @@
             <a:r>
               <a:rPr kumimoji="1" lang="en-US" sz="2000" b="1" dirty="0">
                 <a:solidFill>
-                  <a:schemeClr val="tx2"/>
+                  <a:schemeClr val="bg1"/>
                 </a:solidFill>
                 <a:hlinkClick r:id="rId2"/>
               </a:rPr>
@@ -8778,7 +8777,7 @@
             <a:r>
               <a:rPr kumimoji="1" lang="en-US" sz="2000" b="1" dirty="0" smtClean="0">
                 <a:solidFill>
-                  <a:schemeClr val="tx2"/>
+                  <a:schemeClr val="bg1"/>
                 </a:solidFill>
                 <a:hlinkClick r:id="rId2"/>
               </a:rPr>
@@ -8786,7 +8785,7 @@
             </a:r>
             <a:endParaRPr kumimoji="1" lang="en-US" sz="2000" b="1" dirty="0" smtClean="0">
               <a:solidFill>
-                <a:schemeClr val="tx2"/>
+                <a:schemeClr val="bg1"/>
               </a:solidFill>
             </a:endParaRPr>
           </a:p>
@@ -8805,7 +8804,7 @@
             <a:r>
               <a:rPr kumimoji="1" lang="en-US" sz="2200" b="1" dirty="0" smtClean="0">
                 <a:solidFill>
-                  <a:schemeClr val="tx2"/>
+                  <a:schemeClr val="bg1"/>
                 </a:solidFill>
               </a:rPr>
               <a:t>This should give you all the files in the project in the chosen directory</a:t>
@@ -9130,7 +9129,7 @@
               <a:t>it</a:t>
             </a:r>
             <a:r>
-              <a:rPr kumimoji="1" lang="en-US" sz="1800" b="1" smtClean="0">
+              <a:rPr kumimoji="1" lang="en-US" sz="1800" b="1" dirty="0" smtClean="0">
                 <a:solidFill>
                   <a:schemeClr val="bg1"/>
                 </a:solidFill>
@@ -9184,29 +9183,6 @@
       </p:grpSpPr>
       <p:sp>
         <p:nvSpPr>
-          <p:cNvPr id="33794" name="Rectangle 2"/>
-          <p:cNvSpPr>
-            <a:spLocks noGrp="1" noChangeArrowheads="1"/>
-          </p:cNvSpPr>
-          <p:nvPr>
-            <p:ph type="title"/>
-          </p:nvPr>
-        </p:nvSpPr>
-        <p:spPr/>
-        <p:txBody>
-          <a:bodyPr/>
-          <a:lstStyle/>
-          <a:p>
-            <a:r>
-              <a:rPr lang="en-US" dirty="0" smtClean="0"/>
-              <a:t>Get started:</a:t>
-            </a:r>
-            <a:endParaRPr lang="en-US" dirty="0"/>
-          </a:p>
-        </p:txBody>
-      </p:sp>
-      <p:sp>
-        <p:nvSpPr>
           <p:cNvPr id="33797" name="Rectangle 5"/>
           <p:cNvSpPr>
             <a:spLocks noGrp="1" noChangeArrowheads="1"/>
@@ -9217,8 +9193,8 @@
         </p:nvSpPr>
         <p:spPr>
           <a:xfrm>
-            <a:off x="1752600" y="2514600"/>
-            <a:ext cx="6635824" cy="3722712"/>
+            <a:off x="1752600" y="764704"/>
+            <a:ext cx="6635824" cy="5472608"/>
           </a:xfrm>
         </p:spPr>
         <p:txBody>
@@ -9237,12 +9213,12 @@
               </a:spcAft>
             </a:pPr>
             <a:r>
-              <a:rPr kumimoji="1" lang="en-US" sz="2000" b="1" dirty="0" smtClean="0">
-                <a:solidFill>
-                  <a:schemeClr val="tx2"/>
+              <a:rPr kumimoji="1" lang="en-US" sz="2200" b="1" dirty="0" smtClean="0">
+                <a:solidFill>
+                  <a:schemeClr val="bg1"/>
                 </a:solidFill>
               </a:rPr>
-              <a:t>To view the files in a directory the command is:</a:t>
+              <a:t>Branching can be done if someone wants to edit files without messing with the current master branch. To make a new branch:</a:t>
             </a:r>
           </a:p>
           <a:p>
@@ -9258,18 +9234,42 @@
               </a:spcAft>
             </a:pPr>
             <a:r>
-              <a:rPr kumimoji="1" lang="en-US" sz="1600" b="1" dirty="0" err="1" smtClean="0">
-                <a:solidFill>
-                  <a:schemeClr val="tx2"/>
+              <a:rPr kumimoji="1" lang="en-US" sz="1400" b="1" dirty="0" err="1" smtClean="0">
+                <a:solidFill>
+                  <a:schemeClr val="bg1"/>
                 </a:solidFill>
               </a:rPr>
-              <a:t>dir</a:t>
-            </a:r>
-            <a:endParaRPr kumimoji="1" lang="en-US" sz="1600" b="1" dirty="0" smtClean="0">
-              <a:solidFill>
-                <a:schemeClr val="tx2"/>
-              </a:solidFill>
-            </a:endParaRPr>
+              <a:t>git</a:t>
+            </a:r>
+            <a:r>
+              <a:rPr kumimoji="1" lang="en-US" sz="1400" b="1" dirty="0" smtClean="0">
+                <a:solidFill>
+                  <a:schemeClr val="bg1"/>
+                </a:solidFill>
+              </a:rPr>
+              <a:t> checkout –b &lt;your branch-name&gt;</a:t>
+            </a:r>
+          </a:p>
+          <a:p>
+            <a:pPr lvl="1">
+              <a:lnSpc>
+                <a:spcPts val="3000"/>
+              </a:lnSpc>
+              <a:spcBef>
+                <a:spcPct val="0"/>
+              </a:spcBef>
+              <a:spcAft>
+                <a:spcPts val="1000"/>
+              </a:spcAft>
+            </a:pPr>
+            <a:r>
+              <a:rPr kumimoji="1" lang="en-US" sz="1400" b="1" dirty="0" smtClean="0">
+                <a:solidFill>
+                  <a:schemeClr val="bg1"/>
+                </a:solidFill>
+              </a:rPr>
+              <a:t>This branch can later be merged with the master branch, if the changes made are good.</a:t>
+            </a:r>
           </a:p>
           <a:p>
             <a:pPr>
@@ -9284,12 +9284,12 @@
               </a:spcAft>
             </a:pPr>
             <a:r>
-              <a:rPr kumimoji="1" lang="en-US" sz="2000" b="1" dirty="0" smtClean="0">
-                <a:solidFill>
-                  <a:schemeClr val="tx2"/>
+              <a:rPr kumimoji="1" lang="en-US" sz="1800" b="1" dirty="0" smtClean="0">
+                <a:solidFill>
+                  <a:schemeClr val="bg1"/>
                 </a:solidFill>
               </a:rPr>
-              <a:t>To add many files and commit in one step:</a:t>
+              <a:t>To view branches:</a:t>
             </a:r>
           </a:p>
           <a:p>
@@ -9305,20 +9305,20 @@
               </a:spcAft>
             </a:pPr>
             <a:r>
-              <a:rPr kumimoji="1" lang="en-US" sz="1600" b="1" dirty="0" err="1" smtClean="0">
-                <a:solidFill>
-                  <a:schemeClr val="tx2"/>
+              <a:rPr kumimoji="1" lang="en-US" sz="1400" b="1" dirty="0" err="1" smtClean="0">
+                <a:solidFill>
+                  <a:schemeClr val="bg1"/>
                 </a:solidFill>
               </a:rPr>
               <a:t>git</a:t>
             </a:r>
             <a:r>
-              <a:rPr kumimoji="1" lang="en-US" sz="1600" b="1" dirty="0" smtClean="0">
-                <a:solidFill>
-                  <a:schemeClr val="tx2"/>
+              <a:rPr kumimoji="1" lang="en-US" sz="1400" b="1" dirty="0" smtClean="0">
+                <a:solidFill>
+                  <a:schemeClr val="bg1"/>
                 </a:solidFill>
               </a:rPr>
-              <a:t> commit –a –m “&lt;commit message&gt;”</a:t>
+              <a:t> branch</a:t>
             </a:r>
           </a:p>
           <a:p>
@@ -9334,12 +9334,12 @@
               </a:spcAft>
             </a:pPr>
             <a:r>
-              <a:rPr kumimoji="1" lang="en-US" sz="2000" b="1" dirty="0" smtClean="0">
-                <a:solidFill>
-                  <a:schemeClr val="tx2"/>
+              <a:rPr kumimoji="1" lang="en-US" sz="1800" b="1" dirty="0" smtClean="0">
+                <a:solidFill>
+                  <a:schemeClr val="bg1"/>
                 </a:solidFill>
               </a:rPr>
-              <a:t>To view log of commits:</a:t>
+              <a:t>To change branch:</a:t>
             </a:r>
           </a:p>
           <a:p>
@@ -9355,30 +9355,124 @@
               </a:spcAft>
             </a:pPr>
             <a:r>
-              <a:rPr kumimoji="1" lang="en-US" sz="1600" b="1" dirty="0" err="1">
-                <a:solidFill>
-                  <a:schemeClr val="tx2"/>
+              <a:rPr kumimoji="1" lang="en-US" sz="1400" b="1" dirty="0" err="1">
+                <a:solidFill>
+                  <a:schemeClr val="bg1"/>
                 </a:solidFill>
               </a:rPr>
               <a:t>g</a:t>
             </a:r>
             <a:r>
-              <a:rPr kumimoji="1" lang="en-US" sz="1600" b="1" dirty="0" err="1" smtClean="0">
-                <a:solidFill>
-                  <a:schemeClr val="tx2"/>
+              <a:rPr kumimoji="1" lang="en-US" sz="1400" b="1" dirty="0" err="1" smtClean="0">
+                <a:solidFill>
+                  <a:schemeClr val="bg1"/>
                 </a:solidFill>
               </a:rPr>
               <a:t>it</a:t>
             </a:r>
             <a:r>
-              <a:rPr kumimoji="1" lang="en-US" sz="1600" b="1" dirty="0" smtClean="0">
-                <a:solidFill>
-                  <a:schemeClr val="tx2"/>
+              <a:rPr kumimoji="1" lang="en-US" sz="1400" b="1" dirty="0" smtClean="0">
+                <a:solidFill>
+                  <a:schemeClr val="bg1"/>
                 </a:solidFill>
               </a:rPr>
-              <a:t> log</a:t>
-            </a:r>
-          </a:p>
+              <a:t> checkout &lt;branch name&gt;</a:t>
+            </a:r>
+            <a:endParaRPr kumimoji="1" lang="en-US" sz="1800" b="1" dirty="0">
+              <a:solidFill>
+                <a:schemeClr val="bg1"/>
+              </a:solidFill>
+            </a:endParaRPr>
+          </a:p>
+        </p:txBody>
+      </p:sp>
+    </p:spTree>
+    <p:extLst>
+      <p:ext uri="{BB962C8B-B14F-4D97-AF65-F5344CB8AC3E}">
+        <p14:creationId xmlns:p14="http://schemas.microsoft.com/office/powerpoint/2010/main" val="565754591"/>
+      </p:ext>
+    </p:extLst>
+  </p:cSld>
+  <p:clrMapOvr>
+    <a:masterClrMapping/>
+  </p:clrMapOvr>
+  <p:timing>
+    <p:tnLst>
+      <p:par>
+        <p:cTn id="1" dur="indefinite" restart="never" nodeType="tmRoot"/>
+      </p:par>
+    </p:tnLst>
+  </p:timing>
+</p:sld>
+</file>
+
+<file path=ppt/slides/slide7.xml><?xml version="1.0" encoding="utf-8"?>
+<p:sld xmlns:a="http://schemas.openxmlformats.org/drawingml/2006/main" xmlns:r="http://schemas.openxmlformats.org/officeDocument/2006/relationships" xmlns:p="http://schemas.openxmlformats.org/presentationml/2006/main">
+  <p:cSld>
+    <p:spTree>
+      <p:nvGrpSpPr>
+        <p:cNvPr id="1" name=""/>
+        <p:cNvGrpSpPr/>
+        <p:nvPr/>
+      </p:nvGrpSpPr>
+      <p:grpSpPr>
+        <a:xfrm>
+          <a:off x="0" y="0"/>
+          <a:ext cx="0" cy="0"/>
+          <a:chOff x="0" y="0"/>
+          <a:chExt cx="0" cy="0"/>
+        </a:xfrm>
+      </p:grpSpPr>
+      <p:sp>
+        <p:nvSpPr>
+          <p:cNvPr id="33794" name="Rectangle 2"/>
+          <p:cNvSpPr>
+            <a:spLocks noGrp="1" noChangeArrowheads="1"/>
+          </p:cNvSpPr>
+          <p:nvPr>
+            <p:ph type="title"/>
+          </p:nvPr>
+        </p:nvSpPr>
+        <p:spPr/>
+        <p:txBody>
+          <a:bodyPr/>
+          <a:lstStyle/>
+          <a:p>
+            <a:r>
+              <a:rPr lang="en-US" dirty="0" smtClean="0">
+                <a:solidFill>
+                  <a:schemeClr val="bg1"/>
+                </a:solidFill>
+              </a:rPr>
+              <a:t>Other stuff:</a:t>
+            </a:r>
+            <a:endParaRPr lang="en-US" dirty="0">
+              <a:solidFill>
+                <a:schemeClr val="bg1"/>
+              </a:solidFill>
+            </a:endParaRPr>
+          </a:p>
+        </p:txBody>
+      </p:sp>
+      <p:sp>
+        <p:nvSpPr>
+          <p:cNvPr id="33797" name="Rectangle 5"/>
+          <p:cNvSpPr>
+            <a:spLocks noGrp="1" noChangeArrowheads="1"/>
+          </p:cNvSpPr>
+          <p:nvPr>
+            <p:ph type="body" sz="half" idx="2"/>
+          </p:nvPr>
+        </p:nvSpPr>
+        <p:spPr>
+          <a:xfrm>
+            <a:off x="1752600" y="2514600"/>
+            <a:ext cx="6635824" cy="3722712"/>
+          </a:xfrm>
+        </p:spPr>
+        <p:txBody>
+          <a:bodyPr/>
+          <a:lstStyle/>
           <a:p>
             <a:pPr>
               <a:lnSpc>
@@ -9392,26 +9486,13 @@
               </a:spcAft>
             </a:pPr>
             <a:r>
-              <a:rPr kumimoji="1" lang="en-US" sz="2000" b="1" dirty="0">
-                <a:solidFill>
-                  <a:schemeClr val="tx2"/>
+              <a:rPr kumimoji="1" lang="en-US" sz="2000" b="1" dirty="0" smtClean="0">
+                <a:solidFill>
+                  <a:schemeClr val="bg1"/>
                 </a:solidFill>
               </a:rPr>
-              <a:t>For more command line </a:t>
-            </a:r>
-            <a:r>
-              <a:rPr kumimoji="1" lang="en-US" sz="2000" b="1" dirty="0" smtClean="0">
-                <a:solidFill>
-                  <a:schemeClr val="tx2"/>
-                </a:solidFill>
-              </a:rPr>
-              <a:t>stuff</a:t>
-            </a:r>
-            <a:endParaRPr kumimoji="1" lang="en-US" sz="2000" b="1" dirty="0">
-              <a:solidFill>
-                <a:schemeClr val="tx2"/>
-              </a:solidFill>
-            </a:endParaRPr>
+              <a:t>To view the files in a directory the command is:</a:t>
+            </a:r>
           </a:p>
           <a:p>
             <a:pPr lvl="1">
@@ -9426,9 +9507,177 @@
               </a:spcAft>
             </a:pPr>
             <a:r>
+              <a:rPr kumimoji="1" lang="en-US" sz="1600" b="1" dirty="0" err="1" smtClean="0">
+                <a:solidFill>
+                  <a:schemeClr val="bg1"/>
+                </a:solidFill>
+              </a:rPr>
+              <a:t>dir</a:t>
+            </a:r>
+            <a:endParaRPr kumimoji="1" lang="en-US" sz="1600" b="1" dirty="0" smtClean="0">
+              <a:solidFill>
+                <a:schemeClr val="bg1"/>
+              </a:solidFill>
+            </a:endParaRPr>
+          </a:p>
+          <a:p>
+            <a:pPr>
+              <a:lnSpc>
+                <a:spcPts val="3000"/>
+              </a:lnSpc>
+              <a:spcBef>
+                <a:spcPct val="0"/>
+              </a:spcBef>
+              <a:spcAft>
+                <a:spcPts val="1000"/>
+              </a:spcAft>
+            </a:pPr>
+            <a:r>
+              <a:rPr kumimoji="1" lang="en-US" sz="2000" b="1" dirty="0" smtClean="0">
+                <a:solidFill>
+                  <a:schemeClr val="bg1"/>
+                </a:solidFill>
+              </a:rPr>
+              <a:t>To add many files and commit in one step:</a:t>
+            </a:r>
+          </a:p>
+          <a:p>
+            <a:pPr lvl="1">
+              <a:lnSpc>
+                <a:spcPts val="3000"/>
+              </a:lnSpc>
+              <a:spcBef>
+                <a:spcPct val="0"/>
+              </a:spcBef>
+              <a:spcAft>
+                <a:spcPts val="1000"/>
+              </a:spcAft>
+            </a:pPr>
+            <a:r>
+              <a:rPr kumimoji="1" lang="en-US" sz="1600" b="1" dirty="0" err="1" smtClean="0">
+                <a:solidFill>
+                  <a:schemeClr val="bg1"/>
+                </a:solidFill>
+              </a:rPr>
+              <a:t>git</a:t>
+            </a:r>
+            <a:r>
               <a:rPr kumimoji="1" lang="en-US" sz="1600" b="1" dirty="0" smtClean="0">
                 <a:solidFill>
-                  <a:schemeClr val="tx2"/>
+                  <a:schemeClr val="bg1"/>
+                </a:solidFill>
+              </a:rPr>
+              <a:t> commit –a –m “&lt;commit message&gt;”</a:t>
+            </a:r>
+          </a:p>
+          <a:p>
+            <a:pPr>
+              <a:lnSpc>
+                <a:spcPts val="3000"/>
+              </a:lnSpc>
+              <a:spcBef>
+                <a:spcPct val="0"/>
+              </a:spcBef>
+              <a:spcAft>
+                <a:spcPts val="1000"/>
+              </a:spcAft>
+            </a:pPr>
+            <a:r>
+              <a:rPr kumimoji="1" lang="en-US" sz="2000" b="1" dirty="0" smtClean="0">
+                <a:solidFill>
+                  <a:schemeClr val="bg1"/>
+                </a:solidFill>
+              </a:rPr>
+              <a:t>To view log of commits:</a:t>
+            </a:r>
+          </a:p>
+          <a:p>
+            <a:pPr lvl="1">
+              <a:lnSpc>
+                <a:spcPts val="3000"/>
+              </a:lnSpc>
+              <a:spcBef>
+                <a:spcPct val="0"/>
+              </a:spcBef>
+              <a:spcAft>
+                <a:spcPts val="1000"/>
+              </a:spcAft>
+            </a:pPr>
+            <a:r>
+              <a:rPr kumimoji="1" lang="en-US" sz="1600" b="1" dirty="0" err="1">
+                <a:solidFill>
+                  <a:schemeClr val="bg1"/>
+                </a:solidFill>
+              </a:rPr>
+              <a:t>g</a:t>
+            </a:r>
+            <a:r>
+              <a:rPr kumimoji="1" lang="en-US" sz="1600" b="1" dirty="0" err="1" smtClean="0">
+                <a:solidFill>
+                  <a:schemeClr val="bg1"/>
+                </a:solidFill>
+              </a:rPr>
+              <a:t>it</a:t>
+            </a:r>
+            <a:r>
+              <a:rPr kumimoji="1" lang="en-US" sz="1600" b="1" dirty="0" smtClean="0">
+                <a:solidFill>
+                  <a:schemeClr val="bg1"/>
+                </a:solidFill>
+              </a:rPr>
+              <a:t> log</a:t>
+            </a:r>
+          </a:p>
+          <a:p>
+            <a:pPr>
+              <a:lnSpc>
+                <a:spcPts val="3000"/>
+              </a:lnSpc>
+              <a:spcBef>
+                <a:spcPct val="0"/>
+              </a:spcBef>
+              <a:spcAft>
+                <a:spcPts val="1000"/>
+              </a:spcAft>
+            </a:pPr>
+            <a:r>
+              <a:rPr kumimoji="1" lang="en-US" sz="2000" b="1" dirty="0">
+                <a:solidFill>
+                  <a:schemeClr val="bg1"/>
+                </a:solidFill>
+              </a:rPr>
+              <a:t>For more command line </a:t>
+            </a:r>
+            <a:r>
+              <a:rPr kumimoji="1" lang="en-US" sz="2000" b="1" dirty="0" smtClean="0">
+                <a:solidFill>
+                  <a:schemeClr val="bg1"/>
+                </a:solidFill>
+              </a:rPr>
+              <a:t>stuff</a:t>
+            </a:r>
+            <a:endParaRPr kumimoji="1" lang="en-US" sz="2000" b="1" dirty="0">
+              <a:solidFill>
+                <a:schemeClr val="bg1"/>
+              </a:solidFill>
+            </a:endParaRPr>
+          </a:p>
+          <a:p>
+            <a:pPr lvl="1">
+              <a:lnSpc>
+                <a:spcPts val="3000"/>
+              </a:lnSpc>
+              <a:spcBef>
+                <a:spcPct val="0"/>
+              </a:spcBef>
+              <a:spcAft>
+                <a:spcPts val="1000"/>
+              </a:spcAft>
+            </a:pPr>
+            <a:r>
+              <a:rPr kumimoji="1" lang="en-US" sz="1600" b="1" dirty="0" smtClean="0">
+                <a:solidFill>
+                  <a:schemeClr val="bg1"/>
                 </a:solidFill>
                 <a:hlinkClick r:id="rId2"/>
               </a:rPr>
@@ -9436,7 +9685,7 @@
             </a:r>
             <a:endParaRPr kumimoji="1" lang="en-US" sz="1600" b="1" dirty="0" smtClean="0">
               <a:solidFill>
-                <a:schemeClr val="tx2"/>
+                <a:schemeClr val="bg1"/>
               </a:solidFill>
             </a:endParaRPr>
           </a:p>
@@ -9454,7 +9703,7 @@
             </a:pPr>
             <a:endParaRPr kumimoji="1" lang="en-US" sz="1800" b="1" dirty="0" smtClean="0">
               <a:solidFill>
-                <a:schemeClr val="tx2"/>
+                <a:schemeClr val="bg1"/>
               </a:solidFill>
             </a:endParaRPr>
           </a:p>
@@ -9472,7 +9721,7 @@
             </a:pPr>
             <a:endParaRPr kumimoji="1" lang="en-US" sz="1400" b="1" dirty="0" smtClean="0">
               <a:solidFill>
-                <a:schemeClr val="tx2"/>
+                <a:schemeClr val="bg1"/>
               </a:solidFill>
             </a:endParaRPr>
           </a:p>

--- a/git_intro.pptx
+++ b/git_intro.pptx
@@ -8701,7 +8701,86 @@
                   <a:schemeClr val="bg1"/>
                 </a:solidFill>
               </a:rPr>
-              <a:t>When current directory is the one you want</a:t>
+              <a:t>For help in </a:t>
+            </a:r>
+            <a:r>
+              <a:rPr kumimoji="1" lang="en-US" sz="2200" b="1" dirty="0" err="1" smtClean="0">
+                <a:solidFill>
+                  <a:schemeClr val="bg1"/>
+                </a:solidFill>
+              </a:rPr>
+              <a:t>git</a:t>
+            </a:r>
+            <a:r>
+              <a:rPr kumimoji="1" lang="en-US" sz="2200" b="1" dirty="0" smtClean="0">
+                <a:solidFill>
+                  <a:schemeClr val="bg1"/>
+                </a:solidFill>
+              </a:rPr>
+              <a:t>:</a:t>
+            </a:r>
+          </a:p>
+          <a:p>
+            <a:pPr lvl="1">
+              <a:lnSpc>
+                <a:spcPts val="3000"/>
+              </a:lnSpc>
+              <a:spcBef>
+                <a:spcPct val="0"/>
+              </a:spcBef>
+              <a:spcAft>
+                <a:spcPts val="1000"/>
+              </a:spcAft>
+            </a:pPr>
+            <a:r>
+              <a:rPr kumimoji="1" lang="en-US" sz="1800" b="1" dirty="0" err="1" smtClean="0">
+                <a:solidFill>
+                  <a:schemeClr val="bg1"/>
+                </a:solidFill>
+              </a:rPr>
+              <a:t>git</a:t>
+            </a:r>
+            <a:r>
+              <a:rPr kumimoji="1" lang="en-US" sz="1800" b="1" smtClean="0">
+                <a:solidFill>
+                  <a:schemeClr val="bg1"/>
+                </a:solidFill>
+              </a:rPr>
+              <a:t> -- help</a:t>
+            </a:r>
+            <a:endParaRPr kumimoji="1" lang="en-US" sz="1800" b="1" smtClean="0">
+              <a:solidFill>
+                <a:schemeClr val="bg1"/>
+              </a:solidFill>
+            </a:endParaRPr>
+          </a:p>
+          <a:p>
+            <a:pPr>
+              <a:lnSpc>
+                <a:spcPts val="3000"/>
+              </a:lnSpc>
+              <a:spcBef>
+                <a:spcPct val="0"/>
+              </a:spcBef>
+              <a:spcAft>
+                <a:spcPts val="1000"/>
+              </a:spcAft>
+            </a:pPr>
+            <a:r>
+              <a:rPr kumimoji="1" lang="en-US" sz="2200" b="1" dirty="0" smtClean="0">
+                <a:solidFill>
+                  <a:schemeClr val="bg1"/>
+                </a:solidFill>
+              </a:rPr>
+              <a:t>When </a:t>
+            </a:r>
+            <a:r>
+              <a:rPr kumimoji="1" lang="en-US" sz="2200" b="1" dirty="0" smtClean="0">
+                <a:solidFill>
+                  <a:schemeClr val="bg1"/>
+                </a:solidFill>
+              </a:rPr>
+              <a:t>current directory is the one you want</a:t>
             </a:r>
             <a:r>
               <a:rPr kumimoji="1" lang="en-US" sz="2200" b="1" dirty="0">
@@ -9068,15 +9147,7 @@
                   <a:schemeClr val="bg1"/>
                 </a:solidFill>
               </a:rPr>
-              <a:t> </a:t>
-            </a:r>
-            <a:r>
-              <a:rPr kumimoji="1" lang="en-US" sz="1800" b="1" dirty="0" smtClean="0">
-                <a:solidFill>
-                  <a:schemeClr val="bg1"/>
-                </a:solidFill>
-              </a:rPr>
-              <a:t>push</a:t>
+              <a:t> push</a:t>
             </a:r>
           </a:p>
           <a:p>
@@ -9136,11 +9207,6 @@
               </a:rPr>
               <a:t> pull</a:t>
             </a:r>
-            <a:endParaRPr kumimoji="1" lang="en-US" sz="1800" b="1" dirty="0" smtClean="0">
-              <a:solidFill>
-                <a:schemeClr val="bg1"/>
-              </a:solidFill>
-            </a:endParaRPr>
           </a:p>
         </p:txBody>
       </p:sp>
